--- a/Fingering detection code tutorial.pptx
+++ b/Fingering detection code tutorial.pptx
@@ -107,13 +107,18 @@
       </a:defRPr>
     </a:lvl9pPr>
   </p:defaultTextStyle>
+  <p:extLst>
+    <p:ext uri="{EFAFB233-063F-42B5-8137-9DF3F51BA10A}">
+      <p15:sldGuideLst xmlns:p15="http://schemas.microsoft.com/office/powerpoint/2012/main"/>
+    </p:ext>
+  </p:extLst>
 </p:presentation>
 </file>
 
 <file path=ppt/revisionInfo.xml><?xml version="1.0" encoding="utf-8"?>
 <p1510:revInfo xmlns:a="http://schemas.openxmlformats.org/drawingml/2006/main" xmlns:r="http://schemas.openxmlformats.org/officeDocument/2006/relationships" xmlns:p1510="http://schemas.microsoft.com/office/powerpoint/2015/10/main">
   <p1510:revLst>
-    <p1510:client id="{DE0C351D-ED77-4C9C-B236-05CBFE58FDF1}" v="6" dt="2025-03-26T15:06:28.466"/>
+    <p1510:client id="{DE0C351D-ED77-4C9C-B236-05CBFE58FDF1}" v="12" dt="2025-03-26T17:44:29.969"/>
   </p1510:revLst>
 </p1510:revInfo>
 </file>
@@ -123,7 +128,7 @@
   <pc:docChgLst>
     <pc:chgData name="준형 박" userId="6050f2cbf55e2bd0" providerId="LiveId" clId="{DE0C351D-ED77-4C9C-B236-05CBFE58FDF1}"/>
     <pc:docChg chg="undo custSel modSld">
-      <pc:chgData name="준형 박" userId="6050f2cbf55e2bd0" providerId="LiveId" clId="{DE0C351D-ED77-4C9C-B236-05CBFE58FDF1}" dt="2025-03-26T15:06:58.004" v="85"/>
+      <pc:chgData name="준형 박" userId="6050f2cbf55e2bd0" providerId="LiveId" clId="{DE0C351D-ED77-4C9C-B236-05CBFE58FDF1}" dt="2025-03-26T17:44:31.182" v="205" actId="20577"/>
       <pc:docMkLst>
         <pc:docMk/>
       </pc:docMkLst>
@@ -143,19 +148,27 @@
         </pc:spChg>
       </pc:sldChg>
       <pc:sldChg chg="addSp delSp modSp mod">
-        <pc:chgData name="준형 박" userId="6050f2cbf55e2bd0" providerId="LiveId" clId="{DE0C351D-ED77-4C9C-B236-05CBFE58FDF1}" dt="2025-03-26T15:06:35.203" v="67" actId="20577"/>
+        <pc:chgData name="준형 박" userId="6050f2cbf55e2bd0" providerId="LiveId" clId="{DE0C351D-ED77-4C9C-B236-05CBFE58FDF1}" dt="2025-03-26T17:44:31.182" v="205" actId="20577"/>
         <pc:sldMkLst>
           <pc:docMk/>
           <pc:sldMk cId="1512960336" sldId="257"/>
         </pc:sldMkLst>
         <pc:spChg chg="mod">
-          <ac:chgData name="준형 박" userId="6050f2cbf55e2bd0" providerId="LiveId" clId="{DE0C351D-ED77-4C9C-B236-05CBFE58FDF1}" dt="2025-03-26T15:06:35.203" v="67" actId="20577"/>
+          <ac:chgData name="준형 박" userId="6050f2cbf55e2bd0" providerId="LiveId" clId="{DE0C351D-ED77-4C9C-B236-05CBFE58FDF1}" dt="2025-03-26T17:44:31.182" v="205" actId="20577"/>
           <ac:spMkLst>
             <pc:docMk/>
             <pc:sldMk cId="1512960336" sldId="257"/>
             <ac:spMk id="3" creationId="{62ED5676-E7FE-7561-9FD3-4322703A7472}"/>
           </ac:spMkLst>
         </pc:spChg>
+        <pc:picChg chg="add mod">
+          <ac:chgData name="준형 박" userId="6050f2cbf55e2bd0" providerId="LiveId" clId="{DE0C351D-ED77-4C9C-B236-05CBFE58FDF1}" dt="2025-03-26T17:43:56.406" v="90" actId="1076"/>
+          <ac:picMkLst>
+            <pc:docMk/>
+            <pc:sldMk cId="1512960336" sldId="257"/>
+            <ac:picMk id="5" creationId="{9201F7A0-2CFF-76C1-3F3D-D688690AED4C}"/>
+          </ac:picMkLst>
+        </pc:picChg>
         <pc:picChg chg="add del">
           <ac:chgData name="준형 박" userId="6050f2cbf55e2bd0" providerId="LiveId" clId="{DE0C351D-ED77-4C9C-B236-05CBFE58FDF1}" dt="2025-03-26T15:06:18.848" v="7" actId="22"/>
           <ac:picMkLst>
@@ -319,7 +332,7 @@
           <a:p>
             <a:fld id="{F12C35EB-E8BB-41D5-9409-5DCE789A8281}" type="datetimeFigureOut">
               <a:rPr lang="ko-KR" altLang="en-US" smtClean="0"/>
-              <a:t>2025-03-26</a:t>
+              <a:t>2025-03-27</a:t>
             </a:fld>
             <a:endParaRPr lang="ko-KR" altLang="en-US"/>
           </a:p>
@@ -551,7 +564,7 @@
           <a:p>
             <a:fld id="{F12C35EB-E8BB-41D5-9409-5DCE789A8281}" type="datetimeFigureOut">
               <a:rPr lang="ko-KR" altLang="en-US" smtClean="0"/>
-              <a:t>2025-03-26</a:t>
+              <a:t>2025-03-27</a:t>
             </a:fld>
             <a:endParaRPr lang="ko-KR" altLang="en-US"/>
           </a:p>
@@ -793,7 +806,7 @@
           <a:p>
             <a:fld id="{F12C35EB-E8BB-41D5-9409-5DCE789A8281}" type="datetimeFigureOut">
               <a:rPr lang="ko-KR" altLang="en-US" smtClean="0"/>
-              <a:t>2025-03-26</a:t>
+              <a:t>2025-03-27</a:t>
             </a:fld>
             <a:endParaRPr lang="ko-KR" altLang="en-US"/>
           </a:p>
@@ -1025,7 +1038,7 @@
           <a:p>
             <a:fld id="{F12C35EB-E8BB-41D5-9409-5DCE789A8281}" type="datetimeFigureOut">
               <a:rPr lang="ko-KR" altLang="en-US" smtClean="0"/>
-              <a:t>2025-03-26</a:t>
+              <a:t>2025-03-27</a:t>
             </a:fld>
             <a:endParaRPr lang="ko-KR" altLang="en-US"/>
           </a:p>
@@ -1301,7 +1314,7 @@
           <a:p>
             <a:fld id="{F12C35EB-E8BB-41D5-9409-5DCE789A8281}" type="datetimeFigureOut">
               <a:rPr lang="ko-KR" altLang="en-US" smtClean="0"/>
-              <a:t>2025-03-26</a:t>
+              <a:t>2025-03-27</a:t>
             </a:fld>
             <a:endParaRPr lang="ko-KR" altLang="en-US"/>
           </a:p>
@@ -1633,7 +1646,7 @@
           <a:p>
             <a:fld id="{F12C35EB-E8BB-41D5-9409-5DCE789A8281}" type="datetimeFigureOut">
               <a:rPr lang="ko-KR" altLang="en-US" smtClean="0"/>
-              <a:t>2025-03-26</a:t>
+              <a:t>2025-03-27</a:t>
             </a:fld>
             <a:endParaRPr lang="ko-KR" altLang="en-US"/>
           </a:p>
@@ -2112,7 +2125,7 @@
           <a:p>
             <a:fld id="{F12C35EB-E8BB-41D5-9409-5DCE789A8281}" type="datetimeFigureOut">
               <a:rPr lang="ko-KR" altLang="en-US" smtClean="0"/>
-              <a:t>2025-03-26</a:t>
+              <a:t>2025-03-27</a:t>
             </a:fld>
             <a:endParaRPr lang="ko-KR" altLang="en-US"/>
           </a:p>
@@ -2254,7 +2267,7 @@
           <a:p>
             <a:fld id="{F12C35EB-E8BB-41D5-9409-5DCE789A8281}" type="datetimeFigureOut">
               <a:rPr lang="ko-KR" altLang="en-US" smtClean="0"/>
-              <a:t>2025-03-26</a:t>
+              <a:t>2025-03-27</a:t>
             </a:fld>
             <a:endParaRPr lang="ko-KR" altLang="en-US"/>
           </a:p>
@@ -2367,7 +2380,7 @@
           <a:p>
             <a:fld id="{F12C35EB-E8BB-41D5-9409-5DCE789A8281}" type="datetimeFigureOut">
               <a:rPr lang="ko-KR" altLang="en-US" smtClean="0"/>
-              <a:t>2025-03-26</a:t>
+              <a:t>2025-03-27</a:t>
             </a:fld>
             <a:endParaRPr lang="ko-KR" altLang="en-US"/>
           </a:p>
@@ -2712,7 +2725,7 @@
           <a:p>
             <a:fld id="{F12C35EB-E8BB-41D5-9409-5DCE789A8281}" type="datetimeFigureOut">
               <a:rPr lang="ko-KR" altLang="en-US" smtClean="0"/>
-              <a:t>2025-03-26</a:t>
+              <a:t>2025-03-27</a:t>
             </a:fld>
             <a:endParaRPr lang="ko-KR" altLang="en-US"/>
           </a:p>
@@ -3001,7 +3014,7 @@
           <a:p>
             <a:fld id="{F12C35EB-E8BB-41D5-9409-5DCE789A8281}" type="datetimeFigureOut">
               <a:rPr lang="ko-KR" altLang="en-US" smtClean="0"/>
-              <a:t>2025-03-26</a:t>
+              <a:t>2025-03-27</a:t>
             </a:fld>
             <a:endParaRPr lang="ko-KR" altLang="en-US"/>
           </a:p>
@@ -3276,7 +3289,7 @@
           <a:p>
             <a:fld id="{F12C35EB-E8BB-41D5-9409-5DCE789A8281}" type="datetimeFigureOut">
               <a:rPr lang="ko-KR" altLang="en-US" smtClean="0"/>
-              <a:t>2025-03-26</a:t>
+              <a:t>2025-03-27</a:t>
             </a:fld>
             <a:endParaRPr lang="ko-KR" altLang="en-US"/>
           </a:p>
@@ -3984,7 +3997,7 @@
         <p:spPr/>
         <p:txBody>
           <a:bodyPr>
-            <a:normAutofit fontScale="92500" lnSpcReduction="10000"/>
+            <a:normAutofit fontScale="92500" lnSpcReduction="20000"/>
           </a:bodyPr>
           <a:lstStyle/>
           <a:p>
@@ -4054,6 +4067,57 @@
           </a:p>
           <a:p>
             <a:r>
+              <a:rPr lang="en-US" altLang="ko-KR" dirty="0"/>
+              <a:t>Main.py</a:t>
+            </a:r>
+            <a:r>
+              <a:rPr lang="ko-KR" altLang="en-US" dirty="0"/>
+              <a:t> </a:t>
+            </a:r>
+            <a:r>
+              <a:rPr lang="en-US" altLang="ko-KR" dirty="0"/>
+              <a:t>line</a:t>
+            </a:r>
+            <a:r>
+              <a:rPr lang="ko-KR" altLang="en-US" dirty="0"/>
+              <a:t> </a:t>
+            </a:r>
+            <a:r>
+              <a:rPr lang="en-US" altLang="ko-KR" dirty="0"/>
+              <a:t>45</a:t>
+            </a:r>
+            <a:r>
+              <a:rPr lang="ko-KR" altLang="en-US" dirty="0" err="1"/>
+              <a:t>쯤에</a:t>
+            </a:r>
+            <a:r>
+              <a:rPr lang="ko-KR" altLang="en-US" dirty="0"/>
+              <a:t> </a:t>
+            </a:r>
+            <a:r>
+              <a:rPr lang="en-US" altLang="ko-KR" dirty="0" err="1"/>
+              <a:t>filepath</a:t>
+            </a:r>
+            <a:r>
+              <a:rPr lang="en-US" altLang="ko-KR" dirty="0"/>
+              <a:t> </a:t>
+            </a:r>
+            <a:r>
+              <a:rPr lang="ko-KR" altLang="en-US" dirty="0"/>
+              <a:t>본인의 </a:t>
+            </a:r>
+            <a:r>
+              <a:rPr lang="en-US" altLang="ko-KR" dirty="0"/>
+              <a:t>home directory</a:t>
+            </a:r>
+            <a:r>
+              <a:rPr lang="ko-KR" altLang="en-US"/>
+              <a:t>에 맞게 변경</a:t>
+            </a:r>
+            <a:endParaRPr lang="en-US" altLang="ko-KR" dirty="0"/>
+          </a:p>
+          <a:p>
+            <a:r>
               <a:rPr lang="ko-KR" altLang="en-US" b="1" dirty="0"/>
               <a:t>터미널 실행 위치</a:t>
             </a:r>
@@ -4181,6 +4245,36 @@
           </a:p>
         </p:txBody>
       </p:sp>
+      <p:pic>
+        <p:nvPicPr>
+          <p:cNvPr id="5" name="図 4">
+            <a:extLst>
+              <a:ext uri="{FF2B5EF4-FFF2-40B4-BE49-F238E27FC236}">
+                <a16:creationId xmlns:a16="http://schemas.microsoft.com/office/drawing/2014/main" id="{9201F7A0-2CFF-76C1-3F3D-D688690AED4C}"/>
+              </a:ext>
+            </a:extLst>
+          </p:cNvPr>
+          <p:cNvPicPr>
+            <a:picLocks noChangeAspect="1"/>
+          </p:cNvPicPr>
+          <p:nvPr/>
+        </p:nvPicPr>
+        <p:blipFill>
+          <a:blip r:embed="rId2"/>
+          <a:stretch>
+            <a:fillRect/>
+          </a:stretch>
+        </p:blipFill>
+        <p:spPr>
+          <a:xfrm>
+            <a:off x="2607959" y="837379"/>
+            <a:ext cx="8221222" cy="381053"/>
+          </a:xfrm>
+          <a:prstGeom prst="rect">
+            <a:avLst/>
+          </a:prstGeom>
+        </p:spPr>
+      </p:pic>
     </p:spTree>
     <p:extLst>
       <p:ext uri="{BB962C8B-B14F-4D97-AF65-F5344CB8AC3E}">

--- a/Fingering detection code tutorial.pptx
+++ b/Fingering detection code tutorial.pptx
@@ -118,7 +118,7 @@
 <file path=ppt/revisionInfo.xml><?xml version="1.0" encoding="utf-8"?>
 <p1510:revInfo xmlns:a="http://schemas.openxmlformats.org/drawingml/2006/main" xmlns:r="http://schemas.openxmlformats.org/officeDocument/2006/relationships" xmlns:p1510="http://schemas.microsoft.com/office/powerpoint/2015/10/main">
   <p1510:revLst>
-    <p1510:client id="{DE0C351D-ED77-4C9C-B236-05CBFE58FDF1}" v="12" dt="2025-03-26T17:44:29.969"/>
+    <p1510:client id="{DE0C351D-ED77-4C9C-B236-05CBFE58FDF1}" v="15" dt="2025-03-26T18:09:20.370"/>
   </p1510:revLst>
 </p1510:revInfo>
 </file>
@@ -128,7 +128,7 @@
   <pc:docChgLst>
     <pc:chgData name="준형 박" userId="6050f2cbf55e2bd0" providerId="LiveId" clId="{DE0C351D-ED77-4C9C-B236-05CBFE58FDF1}"/>
     <pc:docChg chg="undo custSel modSld">
-      <pc:chgData name="준형 박" userId="6050f2cbf55e2bd0" providerId="LiveId" clId="{DE0C351D-ED77-4C9C-B236-05CBFE58FDF1}" dt="2025-03-26T17:44:31.182" v="205" actId="20577"/>
+      <pc:chgData name="준형 박" userId="6050f2cbf55e2bd0" providerId="LiveId" clId="{DE0C351D-ED77-4C9C-B236-05CBFE58FDF1}" dt="2025-03-26T18:09:20.370" v="277"/>
       <pc:docMkLst>
         <pc:docMk/>
       </pc:docMkLst>
@@ -148,13 +148,13 @@
         </pc:spChg>
       </pc:sldChg>
       <pc:sldChg chg="addSp delSp modSp mod">
-        <pc:chgData name="준형 박" userId="6050f2cbf55e2bd0" providerId="LiveId" clId="{DE0C351D-ED77-4C9C-B236-05CBFE58FDF1}" dt="2025-03-26T17:44:31.182" v="205" actId="20577"/>
+        <pc:chgData name="준형 박" userId="6050f2cbf55e2bd0" providerId="LiveId" clId="{DE0C351D-ED77-4C9C-B236-05CBFE58FDF1}" dt="2025-03-26T18:09:20.370" v="277"/>
         <pc:sldMkLst>
           <pc:docMk/>
           <pc:sldMk cId="1512960336" sldId="257"/>
         </pc:sldMkLst>
         <pc:spChg chg="mod">
-          <ac:chgData name="준형 박" userId="6050f2cbf55e2bd0" providerId="LiveId" clId="{DE0C351D-ED77-4C9C-B236-05CBFE58FDF1}" dt="2025-03-26T17:44:31.182" v="205" actId="20577"/>
+          <ac:chgData name="준형 박" userId="6050f2cbf55e2bd0" providerId="LiveId" clId="{DE0C351D-ED77-4C9C-B236-05CBFE58FDF1}" dt="2025-03-26T18:09:20.370" v="277"/>
           <ac:spMkLst>
             <pc:docMk/>
             <pc:sldMk cId="1512960336" sldId="257"/>
@@ -162,7 +162,7 @@
           </ac:spMkLst>
         </pc:spChg>
         <pc:picChg chg="add mod">
-          <ac:chgData name="준형 박" userId="6050f2cbf55e2bd0" providerId="LiveId" clId="{DE0C351D-ED77-4C9C-B236-05CBFE58FDF1}" dt="2025-03-26T17:43:56.406" v="90" actId="1076"/>
+          <ac:chgData name="준형 박" userId="6050f2cbf55e2bd0" providerId="LiveId" clId="{DE0C351D-ED77-4C9C-B236-05CBFE58FDF1}" dt="2025-03-26T18:09:07.852" v="259" actId="1035"/>
           <ac:picMkLst>
             <pc:docMk/>
             <pc:sldMk cId="1512960336" sldId="257"/>
@@ -175,6 +175,14 @@
             <pc:docMk/>
             <pc:sldMk cId="1512960336" sldId="257"/>
             <ac:picMk id="5" creationId="{AE8ADC28-D174-BD8D-33B4-FB38F7EBF776}"/>
+          </ac:picMkLst>
+        </pc:picChg>
+        <pc:picChg chg="add mod">
+          <ac:chgData name="준형 박" userId="6050f2cbf55e2bd0" providerId="LiveId" clId="{DE0C351D-ED77-4C9C-B236-05CBFE58FDF1}" dt="2025-03-26T18:09:07.852" v="259" actId="1035"/>
+          <ac:picMkLst>
+            <pc:docMk/>
+            <pc:sldMk cId="1512960336" sldId="257"/>
+            <ac:picMk id="6" creationId="{F7928AC5-CEEA-1086-139B-AE3D2AE8D605}"/>
           </ac:picMkLst>
         </pc:picChg>
       </pc:sldChg>
@@ -3997,7 +4005,7 @@
         <p:spPr/>
         <p:txBody>
           <a:bodyPr>
-            <a:normAutofit fontScale="92500" lnSpcReduction="20000"/>
+            <a:normAutofit fontScale="85000" lnSpcReduction="20000"/>
           </a:bodyPr>
           <a:lstStyle/>
           <a:p>
@@ -4111,8 +4119,23 @@
               <a:t>home directory</a:t>
             </a:r>
             <a:r>
-              <a:rPr lang="ko-KR" altLang="en-US"/>
+              <a:rPr lang="ko-KR" altLang="en-US" dirty="0"/>
               <a:t>에 맞게 변경</a:t>
+            </a:r>
+            <a:endParaRPr lang="en-US" altLang="ko-KR" dirty="0"/>
+          </a:p>
+          <a:p>
+            <a:r>
+              <a:rPr lang="en-US" altLang="ko-KR" dirty="0"/>
+              <a:t>Midicomparison.py line 20</a:t>
+            </a:r>
+            <a:r>
+              <a:rPr lang="ko-KR" altLang="en-US" dirty="0" err="1"/>
+              <a:t>쯤도</a:t>
+            </a:r>
+            <a:r>
+              <a:rPr lang="ko-KR" altLang="en-US" dirty="0"/>
+              <a:t> 똑같이</a:t>
             </a:r>
             <a:endParaRPr lang="en-US" altLang="ko-KR" dirty="0"/>
           </a:p>
@@ -4267,8 +4290,38 @@
         </p:blipFill>
         <p:spPr>
           <a:xfrm>
-            <a:off x="2607959" y="837379"/>
+            <a:off x="2607959" y="564250"/>
             <a:ext cx="8221222" cy="381053"/>
+          </a:xfrm>
+          <a:prstGeom prst="rect">
+            <a:avLst/>
+          </a:prstGeom>
+        </p:spPr>
+      </p:pic>
+      <p:pic>
+        <p:nvPicPr>
+          <p:cNvPr id="6" name="図 5">
+            <a:extLst>
+              <a:ext uri="{FF2B5EF4-FFF2-40B4-BE49-F238E27FC236}">
+                <a16:creationId xmlns:a16="http://schemas.microsoft.com/office/drawing/2014/main" id="{F7928AC5-CEEA-1086-139B-AE3D2AE8D605}"/>
+              </a:ext>
+            </a:extLst>
+          </p:cNvPr>
+          <p:cNvPicPr>
+            <a:picLocks noChangeAspect="1"/>
+          </p:cNvPicPr>
+          <p:nvPr/>
+        </p:nvPicPr>
+        <p:blipFill>
+          <a:blip r:embed="rId3"/>
+          <a:stretch>
+            <a:fillRect/>
+          </a:stretch>
+        </p:blipFill>
+        <p:spPr>
+          <a:xfrm>
+            <a:off x="2607959" y="967791"/>
+            <a:ext cx="7621064" cy="457264"/>
           </a:xfrm>
           <a:prstGeom prst="rect">
             <a:avLst/>

--- a/Fingering detection code tutorial.pptx
+++ b/Fingering detection code tutorial.pptx
@@ -118,7 +118,7 @@
 <file path=ppt/revisionInfo.xml><?xml version="1.0" encoding="utf-8"?>
 <p1510:revInfo xmlns:a="http://schemas.openxmlformats.org/drawingml/2006/main" xmlns:r="http://schemas.openxmlformats.org/officeDocument/2006/relationships" xmlns:p1510="http://schemas.microsoft.com/office/powerpoint/2015/10/main">
   <p1510:revLst>
-    <p1510:client id="{DE0C351D-ED77-4C9C-B236-05CBFE58FDF1}" v="15" dt="2025-03-26T18:09:20.370"/>
+    <p1510:client id="{DE0C351D-ED77-4C9C-B236-05CBFE58FDF1}" v="29" dt="2025-03-27T10:55:31.914"/>
   </p1510:revLst>
 </p1510:revInfo>
 </file>
@@ -127,8 +127,8 @@
 <pc:chgInfo xmlns:a="http://schemas.openxmlformats.org/drawingml/2006/main" xmlns:r="http://schemas.openxmlformats.org/officeDocument/2006/relationships" xmlns:ac="http://schemas.microsoft.com/office/drawing/2013/main/command" xmlns:pc="http://schemas.microsoft.com/office/powerpoint/2013/main/command">
   <pc:docChgLst>
     <pc:chgData name="준형 박" userId="6050f2cbf55e2bd0" providerId="LiveId" clId="{DE0C351D-ED77-4C9C-B236-05CBFE58FDF1}"/>
-    <pc:docChg chg="undo custSel modSld">
-      <pc:chgData name="준형 박" userId="6050f2cbf55e2bd0" providerId="LiveId" clId="{DE0C351D-ED77-4C9C-B236-05CBFE58FDF1}" dt="2025-03-26T18:09:20.370" v="277"/>
+    <pc:docChg chg="undo custSel addSld delSld modSld">
+      <pc:chgData name="준형 박" userId="6050f2cbf55e2bd0" providerId="LiveId" clId="{DE0C351D-ED77-4C9C-B236-05CBFE58FDF1}" dt="2025-03-27T10:55:31.913" v="452"/>
       <pc:docMkLst>
         <pc:docMk/>
       </pc:docMkLst>
@@ -148,13 +148,13 @@
         </pc:spChg>
       </pc:sldChg>
       <pc:sldChg chg="addSp delSp modSp mod">
-        <pc:chgData name="준형 박" userId="6050f2cbf55e2bd0" providerId="LiveId" clId="{DE0C351D-ED77-4C9C-B236-05CBFE58FDF1}" dt="2025-03-26T18:09:20.370" v="277"/>
+        <pc:chgData name="준형 박" userId="6050f2cbf55e2bd0" providerId="LiveId" clId="{DE0C351D-ED77-4C9C-B236-05CBFE58FDF1}" dt="2025-03-27T10:54:25.653" v="304" actId="20577"/>
         <pc:sldMkLst>
           <pc:docMk/>
           <pc:sldMk cId="1512960336" sldId="257"/>
         </pc:sldMkLst>
         <pc:spChg chg="mod">
-          <ac:chgData name="준형 박" userId="6050f2cbf55e2bd0" providerId="LiveId" clId="{DE0C351D-ED77-4C9C-B236-05CBFE58FDF1}" dt="2025-03-26T18:09:20.370" v="277"/>
+          <ac:chgData name="준형 박" userId="6050f2cbf55e2bd0" providerId="LiveId" clId="{DE0C351D-ED77-4C9C-B236-05CBFE58FDF1}" dt="2025-03-27T10:54:25.653" v="304" actId="20577"/>
           <ac:spMkLst>
             <pc:docMk/>
             <pc:sldMk cId="1512960336" sldId="257"/>
@@ -185,6 +185,43 @@
             <ac:picMk id="6" creationId="{F7928AC5-CEEA-1086-139B-AE3D2AE8D605}"/>
           </ac:picMkLst>
         </pc:picChg>
+      </pc:sldChg>
+      <pc:sldChg chg="modSp mod">
+        <pc:chgData name="준형 박" userId="6050f2cbf55e2bd0" providerId="LiveId" clId="{DE0C351D-ED77-4C9C-B236-05CBFE58FDF1}" dt="2025-03-27T10:55:31.913" v="452"/>
+        <pc:sldMkLst>
+          <pc:docMk/>
+          <pc:sldMk cId="2030317124" sldId="259"/>
+        </pc:sldMkLst>
+        <pc:spChg chg="mod">
+          <ac:chgData name="준형 박" userId="6050f2cbf55e2bd0" providerId="LiveId" clId="{DE0C351D-ED77-4C9C-B236-05CBFE58FDF1}" dt="2025-03-27T10:55:31.913" v="452"/>
+          <ac:spMkLst>
+            <pc:docMk/>
+            <pc:sldMk cId="2030317124" sldId="259"/>
+            <ac:spMk id="3" creationId="{2ACC5531-F974-ECFD-E2B6-10379F33414E}"/>
+          </ac:spMkLst>
+        </pc:spChg>
+      </pc:sldChg>
+      <pc:sldChg chg="modSp mod">
+        <pc:chgData name="준형 박" userId="6050f2cbf55e2bd0" providerId="LiveId" clId="{DE0C351D-ED77-4C9C-B236-05CBFE58FDF1}" dt="2025-03-27T10:54:49.156" v="326"/>
+        <pc:sldMkLst>
+          <pc:docMk/>
+          <pc:sldMk cId="3626350289" sldId="260"/>
+        </pc:sldMkLst>
+        <pc:spChg chg="mod">
+          <ac:chgData name="준형 박" userId="6050f2cbf55e2bd0" providerId="LiveId" clId="{DE0C351D-ED77-4C9C-B236-05CBFE58FDF1}" dt="2025-03-27T10:54:49.156" v="326"/>
+          <ac:spMkLst>
+            <pc:docMk/>
+            <pc:sldMk cId="3626350289" sldId="260"/>
+            <ac:spMk id="3" creationId="{B0581034-53E5-317F-8E42-D412D9798B83}"/>
+          </ac:spMkLst>
+        </pc:spChg>
+      </pc:sldChg>
+      <pc:sldChg chg="new del">
+        <pc:chgData name="준형 박" userId="6050f2cbf55e2bd0" providerId="LiveId" clId="{DE0C351D-ED77-4C9C-B236-05CBFE58FDF1}" dt="2025-03-27T10:54:13.797" v="283" actId="47"/>
+        <pc:sldMkLst>
+          <pc:docMk/>
+          <pc:sldMk cId="2288257479" sldId="261"/>
+        </pc:sldMkLst>
       </pc:sldChg>
     </pc:docChg>
   </pc:docChgLst>
@@ -3924,6 +3961,24 @@
               <a:rPr lang="en-US" altLang="ko-KR" dirty="0"/>
               <a:t> 0.2.0</a:t>
             </a:r>
+          </a:p>
+          <a:p>
+            <a:r>
+              <a:rPr lang="en-US" altLang="ko-KR" dirty="0" err="1"/>
+              <a:t>numpy</a:t>
+            </a:r>
+            <a:r>
+              <a:rPr lang="en-US" altLang="ko-KR" dirty="0"/>
+              <a:t> 1.24.1 (</a:t>
+            </a:r>
+            <a:r>
+              <a:rPr lang="ko-KR" altLang="en-US" dirty="0"/>
+              <a:t>충돌 일어나면 버전 바꾸기</a:t>
+            </a:r>
+            <a:r>
+              <a:rPr lang="en-US" altLang="ko-KR" dirty="0"/>
+              <a:t>)</a:t>
+            </a:r>
             <a:endParaRPr lang="ko-KR" altLang="en-US" dirty="0"/>
           </a:p>
         </p:txBody>
@@ -4232,33 +4287,38 @@
           </a:p>
           <a:p>
             <a:r>
-              <a:rPr lang="en-US" altLang="ko-KR" dirty="0"/>
+              <a:rPr lang="en-US" altLang="ko-KR" strike="sngStrike" dirty="0"/>
               <a:t>Keyboard distortion </a:t>
             </a:r>
             <a:r>
+              <a:rPr lang="ko-KR" altLang="en-US" strike="sngStrike" dirty="0"/>
+              <a:t>정보 찍기 </a:t>
+            </a:r>
+            <a:r>
+              <a:rPr lang="en-US" altLang="ko-KR" strike="sngStrike" dirty="0"/>
+              <a:t>(</a:t>
+            </a:r>
+            <a:r>
+              <a:rPr lang="ko-KR" altLang="en-US" strike="sngStrike" dirty="0"/>
+              <a:t>이건 제가 다 해서 키보드 파일도 </a:t>
+            </a:r>
+            <a:r>
+              <a:rPr lang="en-US" altLang="ko-KR" strike="sngStrike" dirty="0"/>
+              <a:t>push</a:t>
+            </a:r>
+            <a:r>
+              <a:rPr lang="ko-KR" altLang="en-US" strike="sngStrike" dirty="0"/>
+              <a:t>해두겠습니다</a:t>
+            </a:r>
+            <a:r>
+              <a:rPr lang="en-US" altLang="ko-KR" strike="sngStrike" dirty="0"/>
+              <a:t>) </a:t>
+            </a:r>
+            <a:r>
               <a:rPr lang="ko-KR" altLang="en-US" dirty="0"/>
-              <a:t>정보 찍기 </a:t>
-            </a:r>
-            <a:r>
-              <a:rPr lang="en-US" altLang="ko-KR" dirty="0"/>
-              <a:t>(</a:t>
-            </a:r>
-            <a:r>
-              <a:rPr lang="ko-KR" altLang="en-US" dirty="0"/>
-              <a:t>이건 제가 다 해서 키보드 파일도 </a:t>
-            </a:r>
-            <a:r>
-              <a:rPr lang="en-US" altLang="ko-KR" dirty="0"/>
-              <a:t>push</a:t>
-            </a:r>
-            <a:r>
-              <a:rPr lang="ko-KR" altLang="en-US" dirty="0"/>
-              <a:t>해두겠습니다</a:t>
-            </a:r>
-            <a:r>
-              <a:rPr lang="en-US" altLang="ko-KR" dirty="0"/>
-              <a:t>)</a:t>
-            </a:r>
+              <a:t>완료</a:t>
+            </a:r>
+            <a:endParaRPr lang="en-US" altLang="ko-KR" strike="sngStrike" dirty="0"/>
           </a:p>
           <a:p>
             <a:endParaRPr lang="en-US" altLang="ko-KR" dirty="0"/>
@@ -4506,7 +4566,15 @@
             </a:r>
             <a:r>
               <a:rPr lang="ko-KR" altLang="en-US" dirty="0"/>
-              <a:t>비율 저장하기</a:t>
+              <a:t>비율 </a:t>
+            </a:r>
+            <a:r>
+              <a:rPr lang="en-US" altLang="ko-KR" dirty="0"/>
+              <a:t>metadata</a:t>
+            </a:r>
+            <a:r>
+              <a:rPr lang="ko-KR" altLang="en-US" dirty="0"/>
+              <a:t>에 저장하기</a:t>
             </a:r>
             <a:endParaRPr lang="en-US" altLang="ko-KR" dirty="0"/>
           </a:p>
@@ -4519,7 +4587,11 @@
           <a:p>
             <a:r>
               <a:rPr lang="ko-KR" altLang="en-US" dirty="0"/>
-              <a:t>반복하기</a:t>
+              <a:t>반복하기 </a:t>
+            </a:r>
+            <a:r>
+              <a:rPr lang="ko-KR" altLang="en-US" dirty="0" err="1"/>
+              <a:t>ㅠㅠ</a:t>
             </a:r>
             <a:endParaRPr lang="en-US" altLang="ko-KR" dirty="0"/>
           </a:p>

--- a/Fingering detection code tutorial.pptx
+++ b/Fingering detection code tutorial.pptx
@@ -9,6 +9,7 @@
     <p:sldId id="259" r:id="rId3"/>
     <p:sldId id="257" r:id="rId4"/>
     <p:sldId id="260" r:id="rId5"/>
+    <p:sldId id="261" r:id="rId6"/>
   </p:sldIdLst>
   <p:sldSz cx="12192000" cy="6858000"/>
   <p:notesSz cx="6858000" cy="9144000"/>
@@ -118,7 +119,7 @@
 <file path=ppt/revisionInfo.xml><?xml version="1.0" encoding="utf-8"?>
 <p1510:revInfo xmlns:a="http://schemas.openxmlformats.org/drawingml/2006/main" xmlns:r="http://schemas.openxmlformats.org/officeDocument/2006/relationships" xmlns:p1510="http://schemas.microsoft.com/office/powerpoint/2015/10/main">
   <p1510:revLst>
-    <p1510:client id="{DE0C351D-ED77-4C9C-B236-05CBFE58FDF1}" v="29" dt="2025-03-27T10:55:31.914"/>
+    <p1510:client id="{DE0C351D-ED77-4C9C-B236-05CBFE58FDF1}" v="113" dt="2025-03-27T11:14:30.614"/>
   </p1510:revLst>
 </p1510:revInfo>
 </file>
@@ -128,7 +129,7 @@
   <pc:docChgLst>
     <pc:chgData name="준형 박" userId="6050f2cbf55e2bd0" providerId="LiveId" clId="{DE0C351D-ED77-4C9C-B236-05CBFE58FDF1}"/>
     <pc:docChg chg="undo custSel addSld delSld modSld">
-      <pc:chgData name="준형 박" userId="6050f2cbf55e2bd0" providerId="LiveId" clId="{DE0C351D-ED77-4C9C-B236-05CBFE58FDF1}" dt="2025-03-27T10:55:31.913" v="452"/>
+      <pc:chgData name="준형 박" userId="6050f2cbf55e2bd0" providerId="LiveId" clId="{DE0C351D-ED77-4C9C-B236-05CBFE58FDF1}" dt="2025-03-27T11:14:30.612" v="1491"/>
       <pc:docMkLst>
         <pc:docMk/>
       </pc:docMkLst>
@@ -148,13 +149,13 @@
         </pc:spChg>
       </pc:sldChg>
       <pc:sldChg chg="addSp delSp modSp mod">
-        <pc:chgData name="준형 박" userId="6050f2cbf55e2bd0" providerId="LiveId" clId="{DE0C351D-ED77-4C9C-B236-05CBFE58FDF1}" dt="2025-03-27T10:54:25.653" v="304" actId="20577"/>
+        <pc:chgData name="준형 박" userId="6050f2cbf55e2bd0" providerId="LiveId" clId="{DE0C351D-ED77-4C9C-B236-05CBFE58FDF1}" dt="2025-03-27T11:14:30.612" v="1491"/>
         <pc:sldMkLst>
           <pc:docMk/>
           <pc:sldMk cId="1512960336" sldId="257"/>
         </pc:sldMkLst>
         <pc:spChg chg="mod">
-          <ac:chgData name="준형 박" userId="6050f2cbf55e2bd0" providerId="LiveId" clId="{DE0C351D-ED77-4C9C-B236-05CBFE58FDF1}" dt="2025-03-27T10:54:25.653" v="304" actId="20577"/>
+          <ac:chgData name="준형 박" userId="6050f2cbf55e2bd0" providerId="LiveId" clId="{DE0C351D-ED77-4C9C-B236-05CBFE58FDF1}" dt="2025-03-27T11:14:30.612" v="1491"/>
           <ac:spMkLst>
             <pc:docMk/>
             <pc:sldMk cId="1512960336" sldId="257"/>
@@ -222,6 +223,29 @@
           <pc:docMk/>
           <pc:sldMk cId="2288257479" sldId="261"/>
         </pc:sldMkLst>
+      </pc:sldChg>
+      <pc:sldChg chg="modSp new mod">
+        <pc:chgData name="준형 박" userId="6050f2cbf55e2bd0" providerId="LiveId" clId="{DE0C351D-ED77-4C9C-B236-05CBFE58FDF1}" dt="2025-03-27T11:12:40.810" v="1336" actId="113"/>
+        <pc:sldMkLst>
+          <pc:docMk/>
+          <pc:sldMk cId="3080025325" sldId="261"/>
+        </pc:sldMkLst>
+        <pc:spChg chg="mod">
+          <ac:chgData name="준형 박" userId="6050f2cbf55e2bd0" providerId="LiveId" clId="{DE0C351D-ED77-4C9C-B236-05CBFE58FDF1}" dt="2025-03-27T10:59:44.336" v="469"/>
+          <ac:spMkLst>
+            <pc:docMk/>
+            <pc:sldMk cId="3080025325" sldId="261"/>
+            <ac:spMk id="2" creationId="{F915E58A-D172-3ED6-9BF6-8146DD07DFE2}"/>
+          </ac:spMkLst>
+        </pc:spChg>
+        <pc:spChg chg="mod">
+          <ac:chgData name="준형 박" userId="6050f2cbf55e2bd0" providerId="LiveId" clId="{DE0C351D-ED77-4C9C-B236-05CBFE58FDF1}" dt="2025-03-27T11:12:40.810" v="1336" actId="113"/>
+          <ac:spMkLst>
+            <pc:docMk/>
+            <pc:sldMk cId="3080025325" sldId="261"/>
+            <ac:spMk id="3" creationId="{1733368E-F06F-C491-2124-413B0BD3443C}"/>
+          </ac:spMkLst>
+        </pc:spChg>
       </pc:sldChg>
     </pc:docChg>
   </pc:docChgLst>
@@ -4060,7 +4084,7 @@
         <p:spPr/>
         <p:txBody>
           <a:bodyPr>
-            <a:normAutofit fontScale="85000" lnSpcReduction="20000"/>
+            <a:normAutofit/>
           </a:bodyPr>
           <a:lstStyle/>
           <a:p>
@@ -4070,7 +4094,7 @@
             </a:r>
             <a:r>
               <a:rPr lang="ko-KR" altLang="en-US" dirty="0"/>
-              <a:t> 폴더 하나 만들고 거기 안에 파일 넣기</a:t>
+              <a:t> 폴더 하나 만들고 거기 안에 파일 다 넣기</a:t>
             </a:r>
             <a:endParaRPr lang="en-US" altLang="ko-KR" dirty="0"/>
           </a:p>
@@ -4089,7 +4113,7 @@
             </a:r>
             <a:r>
               <a:rPr lang="ko-KR" altLang="en-US" dirty="0"/>
-              <a:t>폴더에 </a:t>
+              <a:t>폴더 만들고 거기에 </a:t>
             </a:r>
             <a:r>
               <a:rPr lang="en-US" altLang="ko-KR" dirty="0"/>
@@ -4115,8 +4139,8 @@
               <a:t> </a:t>
             </a:r>
             <a:r>
-              <a:rPr lang="ko-KR" altLang="en-US" dirty="0"/>
-              <a:t>폴더에 </a:t>
+              <a:rPr lang="ko-KR" altLang="en-US"/>
+              <a:t>폴더 만들고 거기에 </a:t>
             </a:r>
             <a:r>
               <a:rPr lang="en-US" altLang="ko-KR" dirty="0"/>
@@ -4190,9 +4214,20 @@
             </a:r>
             <a:r>
               <a:rPr lang="ko-KR" altLang="en-US" dirty="0"/>
-              <a:t> 똑같이</a:t>
-            </a:r>
-            <a:endParaRPr lang="en-US" altLang="ko-KR" dirty="0"/>
+              <a:t> 똑같이 변경 </a:t>
+            </a:r>
+            <a:r>
+              <a:rPr lang="en-US" altLang="ko-KR" dirty="0"/>
+              <a:t>(</a:t>
+            </a:r>
+            <a:r>
+              <a:rPr lang="ko-KR" altLang="en-US" dirty="0"/>
+              <a:t>혹시 얘네 이외에도 제가 놓친 게 있을 수도 있어요</a:t>
+            </a:r>
+            <a:r>
+              <a:rPr lang="en-US" altLang="ko-KR" dirty="0"/>
+              <a:t>!)</a:t>
+            </a:r>
           </a:p>
           <a:p>
             <a:r>
@@ -4207,123 +4242,18 @@
               <a:rPr lang="ko-KR" altLang="en-US" b="1" dirty="0"/>
               <a:t>폴더 바로 바깥</a:t>
             </a:r>
-            <a:endParaRPr lang="en-US" altLang="ko-KR" b="1" dirty="0"/>
-          </a:p>
-          <a:p>
-            <a:r>
-              <a:rPr lang="en-US" altLang="ko-KR" dirty="0"/>
+            <a:r>
+              <a:rPr lang="en-US" altLang="ko-KR" sz="2200" dirty="0"/>
               <a:t>(</a:t>
             </a:r>
             <a:r>
-              <a:rPr lang="en-US" altLang="ko-KR" dirty="0" err="1"/>
+              <a:rPr lang="en-US" altLang="ko-KR" sz="2200" dirty="0" err="1"/>
               <a:t>Streamlit</a:t>
             </a:r>
             <a:r>
-              <a:rPr lang="en-US" altLang="ko-KR" dirty="0"/>
+              <a:rPr lang="en-US" altLang="ko-KR" sz="2200" dirty="0"/>
               <a:t> run ./ASDF/ASDF.py)</a:t>
             </a:r>
-          </a:p>
-          <a:p>
-            <a:r>
-              <a:rPr lang="ko-KR" altLang="en-US" dirty="0"/>
-              <a:t>현재 </a:t>
-            </a:r>
-            <a:r>
-              <a:rPr lang="ko-KR" altLang="en-US" dirty="0" err="1"/>
-              <a:t>구현된것</a:t>
-            </a:r>
-            <a:r>
-              <a:rPr lang="en-US" altLang="ko-KR" dirty="0"/>
-              <a:t>: </a:t>
-            </a:r>
-            <a:r>
-              <a:rPr lang="ko-KR" altLang="en-US" dirty="0"/>
-              <a:t>직접 </a:t>
-            </a:r>
-            <a:r>
-              <a:rPr lang="en-US" altLang="ko-KR" dirty="0"/>
-              <a:t>corner </a:t>
-            </a:r>
-            <a:r>
-              <a:rPr lang="ko-KR" altLang="en-US" dirty="0"/>
-              <a:t>찍기</a:t>
-            </a:r>
-            <a:endParaRPr lang="en-US" altLang="ko-KR" dirty="0"/>
-          </a:p>
-          <a:p>
-            <a:r>
-              <a:rPr lang="ko-KR" altLang="en-US" dirty="0"/>
-              <a:t>아직 </a:t>
-            </a:r>
-            <a:r>
-              <a:rPr lang="ko-KR" altLang="en-US" dirty="0" err="1"/>
-              <a:t>미구현된것</a:t>
-            </a:r>
-            <a:r>
-              <a:rPr lang="en-US" altLang="ko-KR" dirty="0"/>
-              <a:t>: Metadata</a:t>
-            </a:r>
-            <a:r>
-              <a:rPr lang="ko-KR" altLang="en-US" dirty="0"/>
-              <a:t>에 있는 </a:t>
-            </a:r>
-            <a:r>
-              <a:rPr lang="en-US" altLang="ko-KR" dirty="0"/>
-              <a:t>corner</a:t>
-            </a:r>
-            <a:r>
-              <a:rPr lang="ko-KR" altLang="en-US" dirty="0"/>
-              <a:t>로부터 바로 </a:t>
-            </a:r>
-            <a:r>
-              <a:rPr lang="en-US" altLang="ko-KR" dirty="0"/>
-              <a:t>corner </a:t>
-            </a:r>
-            <a:r>
-              <a:rPr lang="ko-KR" altLang="en-US" dirty="0"/>
-              <a:t>정보 만들기</a:t>
-            </a:r>
-            <a:endParaRPr lang="en-US" altLang="ko-KR" dirty="0"/>
-          </a:p>
-          <a:p>
-            <a:r>
-              <a:rPr lang="en-US" altLang="ko-KR" strike="sngStrike" dirty="0"/>
-              <a:t>Keyboard distortion </a:t>
-            </a:r>
-            <a:r>
-              <a:rPr lang="ko-KR" altLang="en-US" strike="sngStrike" dirty="0"/>
-              <a:t>정보 찍기 </a:t>
-            </a:r>
-            <a:r>
-              <a:rPr lang="en-US" altLang="ko-KR" strike="sngStrike" dirty="0"/>
-              <a:t>(</a:t>
-            </a:r>
-            <a:r>
-              <a:rPr lang="ko-KR" altLang="en-US" strike="sngStrike" dirty="0"/>
-              <a:t>이건 제가 다 해서 키보드 파일도 </a:t>
-            </a:r>
-            <a:r>
-              <a:rPr lang="en-US" altLang="ko-KR" strike="sngStrike" dirty="0"/>
-              <a:t>push</a:t>
-            </a:r>
-            <a:r>
-              <a:rPr lang="ko-KR" altLang="en-US" strike="sngStrike" dirty="0"/>
-              <a:t>해두겠습니다</a:t>
-            </a:r>
-            <a:r>
-              <a:rPr lang="en-US" altLang="ko-KR" strike="sngStrike" dirty="0"/>
-              <a:t>) </a:t>
-            </a:r>
-            <a:r>
-              <a:rPr lang="ko-KR" altLang="en-US" dirty="0"/>
-              <a:t>완료</a:t>
-            </a:r>
-            <a:endParaRPr lang="en-US" altLang="ko-KR" strike="sngStrike" dirty="0"/>
-          </a:p>
-          <a:p>
-            <a:endParaRPr lang="en-US" altLang="ko-KR" dirty="0"/>
-          </a:p>
-          <a:p>
             <a:endParaRPr lang="en-US" altLang="ko-KR" dirty="0"/>
           </a:p>
         </p:txBody>
@@ -4637,6 +4567,243 @@
     <p:extLst>
       <p:ext uri="{BB962C8B-B14F-4D97-AF65-F5344CB8AC3E}">
         <p14:creationId xmlns:p14="http://schemas.microsoft.com/office/powerpoint/2010/main" val="3626350289"/>
+      </p:ext>
+    </p:extLst>
+  </p:cSld>
+  <p:clrMapOvr>
+    <a:masterClrMapping/>
+  </p:clrMapOvr>
+</p:sld>
+</file>
+
+<file path=ppt/slides/slide5.xml><?xml version="1.0" encoding="utf-8"?>
+<p:sld xmlns:a="http://schemas.openxmlformats.org/drawingml/2006/main" xmlns:r="http://schemas.openxmlformats.org/officeDocument/2006/relationships" xmlns:p="http://schemas.openxmlformats.org/presentationml/2006/main">
+  <p:cSld>
+    <p:spTree>
+      <p:nvGrpSpPr>
+        <p:cNvPr id="1" name=""/>
+        <p:cNvGrpSpPr/>
+        <p:nvPr/>
+      </p:nvGrpSpPr>
+      <p:grpSpPr>
+        <a:xfrm>
+          <a:off x="0" y="0"/>
+          <a:ext cx="0" cy="0"/>
+          <a:chOff x="0" y="0"/>
+          <a:chExt cx="0" cy="0"/>
+        </a:xfrm>
+      </p:grpSpPr>
+      <p:sp>
+        <p:nvSpPr>
+          <p:cNvPr id="2" name="タイトル 1">
+            <a:extLst>
+              <a:ext uri="{FF2B5EF4-FFF2-40B4-BE49-F238E27FC236}">
+                <a16:creationId xmlns:a16="http://schemas.microsoft.com/office/drawing/2014/main" id="{F915E58A-D172-3ED6-9BF6-8146DD07DFE2}"/>
+              </a:ext>
+            </a:extLst>
+          </p:cNvPr>
+          <p:cNvSpPr>
+            <a:spLocks noGrp="1"/>
+          </p:cNvSpPr>
+          <p:nvPr>
+            <p:ph type="title"/>
+          </p:nvPr>
+        </p:nvSpPr>
+        <p:spPr/>
+        <p:txBody>
+          <a:bodyPr/>
+          <a:lstStyle/>
+          <a:p>
+            <a:r>
+              <a:rPr lang="ko-KR" altLang="en-US" dirty="0"/>
+              <a:t>주의사항</a:t>
+            </a:r>
+          </a:p>
+        </p:txBody>
+      </p:sp>
+      <p:sp>
+        <p:nvSpPr>
+          <p:cNvPr id="3" name="コンテンツ プレースホルダー 2">
+            <a:extLst>
+              <a:ext uri="{FF2B5EF4-FFF2-40B4-BE49-F238E27FC236}">
+                <a16:creationId xmlns:a16="http://schemas.microsoft.com/office/drawing/2014/main" id="{1733368E-F06F-C491-2124-413B0BD3443C}"/>
+              </a:ext>
+            </a:extLst>
+          </p:cNvPr>
+          <p:cNvSpPr>
+            <a:spLocks noGrp="1"/>
+          </p:cNvSpPr>
+          <p:nvPr>
+            <p:ph idx="1"/>
+          </p:nvPr>
+        </p:nvSpPr>
+        <p:spPr/>
+        <p:txBody>
+          <a:bodyPr/>
+          <a:lstStyle/>
+          <a:p>
+            <a:r>
+              <a:rPr lang="ko-KR" altLang="en-US" dirty="0"/>
+              <a:t>비디오 파일 하나를 통째로 </a:t>
+            </a:r>
+            <a:r>
+              <a:rPr lang="en-US" altLang="ko-KR" dirty="0"/>
+              <a:t>framewise </a:t>
+            </a:r>
+            <a:r>
+              <a:rPr lang="ko-KR" altLang="en-US" dirty="0"/>
+              <a:t>사진으로 저장하므로 데이터를 </a:t>
+            </a:r>
+            <a:r>
+              <a:rPr lang="ko-KR" altLang="en-US" b="1" dirty="0"/>
+              <a:t>여러 개 </a:t>
+            </a:r>
+            <a:r>
+              <a:rPr lang="ko-KR" altLang="en-US" b="1" dirty="0" err="1"/>
+              <a:t>전처리</a:t>
+            </a:r>
+            <a:r>
+              <a:rPr lang="ko-KR" altLang="en-US" b="1" dirty="0"/>
+              <a:t> 하셨으면 </a:t>
+            </a:r>
+            <a:r>
+              <a:rPr lang="en-US" altLang="ko-KR" b="1" dirty="0" err="1"/>
+              <a:t>videocapture</a:t>
+            </a:r>
+            <a:r>
+              <a:rPr lang="en-US" altLang="ko-KR" b="1" dirty="0"/>
+              <a:t> </a:t>
+            </a:r>
+            <a:r>
+              <a:rPr lang="ko-KR" altLang="en-US" b="1" dirty="0"/>
+              <a:t>내의 이미지 폴더 삭제해 주세요</a:t>
+            </a:r>
+            <a:r>
+              <a:rPr lang="en-US" altLang="ko-KR" b="1" dirty="0"/>
+              <a:t>!</a:t>
+            </a:r>
+          </a:p>
+          <a:p>
+            <a:r>
+              <a:rPr lang="ko-KR" altLang="en-US" dirty="0"/>
+              <a:t>좀 오래 켜두면 가끔 </a:t>
+            </a:r>
+            <a:r>
+              <a:rPr lang="en-US" altLang="ko-KR" dirty="0"/>
+              <a:t>pickle </a:t>
+            </a:r>
+            <a:r>
+              <a:rPr lang="ko-KR" altLang="en-US" dirty="0"/>
+              <a:t>모듈에서</a:t>
+            </a:r>
+            <a:r>
+              <a:rPr lang="en-US" altLang="ko-KR" dirty="0"/>
+              <a:t> </a:t>
+            </a:r>
+            <a:r>
+              <a:rPr lang="ko-KR" altLang="en-US" dirty="0"/>
+              <a:t>에러가 발생합니다</a:t>
+            </a:r>
+            <a:r>
+              <a:rPr lang="en-US" altLang="ko-KR" dirty="0"/>
+              <a:t>. </a:t>
+            </a:r>
+          </a:p>
+          <a:p>
+            <a:pPr marL="0" indent="0">
+              <a:buNone/>
+            </a:pPr>
+            <a:r>
+              <a:rPr lang="en-US" altLang="ko-KR" dirty="0"/>
+              <a:t>	</a:t>
+            </a:r>
+            <a:r>
+              <a:rPr lang="ko-KR" altLang="en-US" dirty="0"/>
+              <a:t>해결책</a:t>
+            </a:r>
+            <a:r>
+              <a:rPr lang="en-US" altLang="ko-KR" dirty="0"/>
+              <a:t>: pickle</a:t>
+            </a:r>
+            <a:r>
+              <a:rPr lang="ko-KR" altLang="en-US" dirty="0"/>
+              <a:t> 파일이 들어 있는 폴더 </a:t>
+            </a:r>
+            <a:r>
+              <a:rPr lang="en-US" altLang="ko-KR" dirty="0"/>
+              <a:t>(ASDF/</a:t>
+            </a:r>
+            <a:r>
+              <a:rPr lang="en-US" altLang="ko-KR" dirty="0" err="1"/>
+              <a:t>videocapture</a:t>
+            </a:r>
+            <a:r>
+              <a:rPr lang="en-US" altLang="ko-KR" dirty="0"/>
+              <a:t>/</a:t>
+            </a:r>
+            <a:r>
+              <a:rPr lang="ko-KR" altLang="en-US" dirty="0"/>
+              <a:t>동영상명</a:t>
+            </a:r>
+            <a:r>
+              <a:rPr lang="en-US" altLang="ko-KR" dirty="0"/>
+              <a:t>_85.080.085.0) </a:t>
+            </a:r>
+            <a:r>
+              <a:rPr lang="ko-KR" altLang="en-US" dirty="0"/>
+              <a:t>를 </a:t>
+            </a:r>
+            <a:r>
+              <a:rPr lang="ko-KR" altLang="en-US" b="1" dirty="0"/>
+              <a:t>통째로 지우고 </a:t>
+            </a:r>
+            <a:r>
+              <a:rPr lang="ko-KR" altLang="en-US" dirty="0"/>
+              <a:t>다시 돌리기</a:t>
+            </a:r>
+            <a:endParaRPr lang="en-US" altLang="ko-KR" dirty="0"/>
+          </a:p>
+          <a:p>
+            <a:pPr marL="0" indent="0">
+              <a:buNone/>
+            </a:pPr>
+            <a:r>
+              <a:rPr lang="ko-KR" altLang="en-US" dirty="0"/>
+              <a:t>이외에도 파일 디렉토리 설정 때문에 뭔가 실행이 잘 안 되는데 그 디렉터리 설정하는 부분이 어디인지 </a:t>
+            </a:r>
+            <a:r>
+              <a:rPr lang="ko-KR" altLang="en-US" dirty="0" err="1"/>
+              <a:t>모르시겠으면</a:t>
+            </a:r>
+            <a:r>
+              <a:rPr lang="ko-KR" altLang="en-US" dirty="0"/>
+              <a:t> 빠르게 </a:t>
+            </a:r>
+            <a:r>
+              <a:rPr lang="ko-KR" altLang="en-US" dirty="0" err="1"/>
+              <a:t>디스코드로</a:t>
+            </a:r>
+            <a:r>
+              <a:rPr lang="ko-KR" altLang="en-US" dirty="0"/>
+              <a:t> 연락 주세요</a:t>
+            </a:r>
+            <a:r>
+              <a:rPr lang="en-US" altLang="ko-KR" dirty="0"/>
+              <a:t>!</a:t>
+            </a:r>
+          </a:p>
+          <a:p>
+            <a:pPr marL="0" indent="0">
+              <a:buNone/>
+            </a:pPr>
+            <a:endParaRPr lang="en-US" altLang="ko-KR" dirty="0"/>
+          </a:p>
+        </p:txBody>
+      </p:sp>
+    </p:spTree>
+    <p:extLst>
+      <p:ext uri="{BB962C8B-B14F-4D97-AF65-F5344CB8AC3E}">
+        <p14:creationId xmlns:p14="http://schemas.microsoft.com/office/powerpoint/2010/main" val="3080025325"/>
       </p:ext>
     </p:extLst>
   </p:cSld>
